--- a/presentation & video/TUKANG DAGANG.pptx
+++ b/presentation & video/TUKANG DAGANG.pptx
@@ -23,11 +23,12 @@
     <p:sldId id="273" r:id="rId17"/>
     <p:sldId id="276" r:id="rId18"/>
     <p:sldId id="280" r:id="rId19"/>
-    <p:sldId id="279" r:id="rId20"/>
-    <p:sldId id="275" r:id="rId21"/>
-    <p:sldId id="277" r:id="rId22"/>
-    <p:sldId id="278" r:id="rId23"/>
-    <p:sldId id="274" r:id="rId24"/>
+    <p:sldId id="281" r:id="rId20"/>
+    <p:sldId id="279" r:id="rId21"/>
+    <p:sldId id="275" r:id="rId22"/>
+    <p:sldId id="277" r:id="rId23"/>
+    <p:sldId id="278" r:id="rId24"/>
+    <p:sldId id="274" r:id="rId25"/>
   </p:sldIdLst>
   <p:sldSz cx="12192000" cy="6858000"/>
   <p:notesSz cx="6858000" cy="9144000"/>
@@ -856,7 +857,7 @@
           <a:p>
             <a:fld id="{CCADA90E-D241-46BC-9484-F46F38347C02}" type="datetimeFigureOut">
               <a:rPr lang="id-ID" smtClean="0"/>
-              <a:t>10/02/2018</a:t>
+              <a:t>11/02/2018</a:t>
             </a:fld>
             <a:endParaRPr lang="id-ID"/>
           </a:p>
@@ -1107,7 +1108,7 @@
           <a:p>
             <a:fld id="{CCADA90E-D241-46BC-9484-F46F38347C02}" type="datetimeFigureOut">
               <a:rPr lang="id-ID" smtClean="0"/>
-              <a:t>10/02/2018</a:t>
+              <a:t>11/02/2018</a:t>
             </a:fld>
             <a:endParaRPr lang="id-ID"/>
           </a:p>
@@ -1421,7 +1422,7 @@
           <a:p>
             <a:fld id="{CCADA90E-D241-46BC-9484-F46F38347C02}" type="datetimeFigureOut">
               <a:rPr lang="id-ID" smtClean="0"/>
-              <a:t>10/02/2018</a:t>
+              <a:t>11/02/2018</a:t>
             </a:fld>
             <a:endParaRPr lang="id-ID"/>
           </a:p>
@@ -1762,7 +1763,7 @@
           <a:p>
             <a:fld id="{CCADA90E-D241-46BC-9484-F46F38347C02}" type="datetimeFigureOut">
               <a:rPr lang="id-ID" smtClean="0"/>
-              <a:t>10/02/2018</a:t>
+              <a:t>11/02/2018</a:t>
             </a:fld>
             <a:endParaRPr lang="id-ID"/>
           </a:p>
@@ -2076,7 +2077,7 @@
           <a:p>
             <a:fld id="{CCADA90E-D241-46BC-9484-F46F38347C02}" type="datetimeFigureOut">
               <a:rPr lang="id-ID" smtClean="0"/>
-              <a:t>10/02/2018</a:t>
+              <a:t>11/02/2018</a:t>
             </a:fld>
             <a:endParaRPr lang="id-ID"/>
           </a:p>
@@ -2469,7 +2470,7 @@
           <a:p>
             <a:fld id="{CCADA90E-D241-46BC-9484-F46F38347C02}" type="datetimeFigureOut">
               <a:rPr lang="id-ID" smtClean="0"/>
-              <a:t>10/02/2018</a:t>
+              <a:t>11/02/2018</a:t>
             </a:fld>
             <a:endParaRPr lang="id-ID"/>
           </a:p>
@@ -2639,7 +2640,7 @@
           <a:p>
             <a:fld id="{CCADA90E-D241-46BC-9484-F46F38347C02}" type="datetimeFigureOut">
               <a:rPr lang="id-ID" smtClean="0"/>
-              <a:t>10/02/2018</a:t>
+              <a:t>11/02/2018</a:t>
             </a:fld>
             <a:endParaRPr lang="id-ID"/>
           </a:p>
@@ -2819,7 +2820,7 @@
           <a:p>
             <a:fld id="{CCADA90E-D241-46BC-9484-F46F38347C02}" type="datetimeFigureOut">
               <a:rPr lang="id-ID" smtClean="0"/>
-              <a:t>10/02/2018</a:t>
+              <a:t>11/02/2018</a:t>
             </a:fld>
             <a:endParaRPr lang="id-ID"/>
           </a:p>
@@ -2995,7 +2996,7 @@
           <a:p>
             <a:fld id="{CCADA90E-D241-46BC-9484-F46F38347C02}" type="datetimeFigureOut">
               <a:rPr lang="id-ID" smtClean="0"/>
-              <a:t>10/02/2018</a:t>
+              <a:t>11/02/2018</a:t>
             </a:fld>
             <a:endParaRPr lang="id-ID"/>
           </a:p>
@@ -3242,7 +3243,7 @@
           <a:p>
             <a:fld id="{CCADA90E-D241-46BC-9484-F46F38347C02}" type="datetimeFigureOut">
               <a:rPr lang="id-ID" smtClean="0"/>
-              <a:t>10/02/2018</a:t>
+              <a:t>11/02/2018</a:t>
             </a:fld>
             <a:endParaRPr lang="id-ID"/>
           </a:p>
@@ -3474,7 +3475,7 @@
           <a:p>
             <a:fld id="{CCADA90E-D241-46BC-9484-F46F38347C02}" type="datetimeFigureOut">
               <a:rPr lang="id-ID" smtClean="0"/>
-              <a:t>10/02/2018</a:t>
+              <a:t>11/02/2018</a:t>
             </a:fld>
             <a:endParaRPr lang="id-ID"/>
           </a:p>
@@ -3848,7 +3849,7 @@
           <a:p>
             <a:fld id="{CCADA90E-D241-46BC-9484-F46F38347C02}" type="datetimeFigureOut">
               <a:rPr lang="id-ID" smtClean="0"/>
-              <a:t>10/02/2018</a:t>
+              <a:t>11/02/2018</a:t>
             </a:fld>
             <a:endParaRPr lang="id-ID"/>
           </a:p>
@@ -3971,7 +3972,7 @@
           <a:p>
             <a:fld id="{CCADA90E-D241-46BC-9484-F46F38347C02}" type="datetimeFigureOut">
               <a:rPr lang="id-ID" smtClean="0"/>
-              <a:t>10/02/2018</a:t>
+              <a:t>11/02/2018</a:t>
             </a:fld>
             <a:endParaRPr lang="id-ID"/>
           </a:p>
@@ -4066,7 +4067,7 @@
           <a:p>
             <a:fld id="{CCADA90E-D241-46BC-9484-F46F38347C02}" type="datetimeFigureOut">
               <a:rPr lang="id-ID" smtClean="0"/>
-              <a:t>10/02/2018</a:t>
+              <a:t>11/02/2018</a:t>
             </a:fld>
             <a:endParaRPr lang="id-ID"/>
           </a:p>
@@ -4321,7 +4322,7 @@
           <a:p>
             <a:fld id="{CCADA90E-D241-46BC-9484-F46F38347C02}" type="datetimeFigureOut">
               <a:rPr lang="id-ID" smtClean="0"/>
-              <a:t>10/02/2018</a:t>
+              <a:t>11/02/2018</a:t>
             </a:fld>
             <a:endParaRPr lang="id-ID"/>
           </a:p>
@@ -4584,7 +4585,7 @@
           <a:p>
             <a:fld id="{CCADA90E-D241-46BC-9484-F46F38347C02}" type="datetimeFigureOut">
               <a:rPr lang="id-ID" smtClean="0"/>
-              <a:t>10/02/2018</a:t>
+              <a:t>11/02/2018</a:t>
             </a:fld>
             <a:endParaRPr lang="id-ID"/>
           </a:p>
@@ -5327,7 +5328,7 @@
           <a:p>
             <a:fld id="{CCADA90E-D241-46BC-9484-F46F38347C02}" type="datetimeFigureOut">
               <a:rPr lang="id-ID" smtClean="0"/>
-              <a:t>10/02/2018</a:t>
+              <a:t>11/02/2018</a:t>
             </a:fld>
             <a:endParaRPr lang="id-ID"/>
           </a:p>
@@ -6520,7 +6521,7 @@
         </p:blipFill>
         <p:spPr>
           <a:xfrm>
-            <a:off x="705321" y="335329"/>
+            <a:off x="821974" y="281541"/>
             <a:ext cx="3352329" cy="6141671"/>
           </a:xfrm>
           <a:prstGeom prst="rect">
@@ -6752,7 +6753,7 @@
         </p:blipFill>
         <p:spPr>
           <a:xfrm>
-            <a:off x="923987" y="482621"/>
+            <a:off x="816411" y="441119"/>
             <a:ext cx="3305113" cy="6055169"/>
           </a:xfrm>
           <a:prstGeom prst="rect">
@@ -7216,7 +7217,7 @@
         </p:blipFill>
         <p:spPr>
           <a:xfrm>
-            <a:off x="875465" y="503757"/>
+            <a:off x="910674" y="503757"/>
             <a:ext cx="3236734" cy="5929894"/>
           </a:xfrm>
           <a:prstGeom prst="rect">
@@ -7448,7 +7449,7 @@
         </p:blipFill>
         <p:spPr>
           <a:xfrm>
-            <a:off x="982935" y="368294"/>
+            <a:off x="929147" y="354847"/>
             <a:ext cx="3322365" cy="6086776"/>
           </a:xfrm>
           <a:prstGeom prst="rect">
@@ -7680,7 +7681,7 @@
         </p:blipFill>
         <p:spPr>
           <a:xfrm>
-            <a:off x="894774" y="526186"/>
+            <a:off x="1082669" y="550447"/>
             <a:ext cx="3185763" cy="5836514"/>
           </a:xfrm>
           <a:prstGeom prst="rect">
@@ -7918,16 +7919,11 @@
             <a:r>
               <a:rPr lang="id-ID" sz="4800" b="1" dirty="0" smtClean="0">
                 <a:solidFill>
-                  <a:srgbClr val="FF0000"/>
+                  <a:schemeClr val="accent1"/>
                 </a:solidFill>
               </a:rPr>
               <a:t>TOOLS</a:t>
             </a:r>
-            <a:endParaRPr lang="id-ID" sz="4800" b="1" dirty="0" smtClean="0">
-              <a:solidFill>
-                <a:srgbClr val="FF0000"/>
-              </a:solidFill>
-            </a:endParaRPr>
           </a:p>
         </p:txBody>
       </p:sp>
@@ -8187,6 +8183,47 @@
           </a:p>
         </p:txBody>
       </p:sp>
+      <p:sp>
+        <p:nvSpPr>
+          <p:cNvPr id="13" name="Content Placeholder 2"/>
+          <p:cNvSpPr>
+            <a:spLocks noGrp="1"/>
+          </p:cNvSpPr>
+          <p:nvPr>
+            <p:ph idx="1"/>
+          </p:nvPr>
+        </p:nvSpPr>
+        <p:spPr>
+          <a:xfrm>
+            <a:off x="155575" y="799427"/>
+            <a:ext cx="10246475" cy="2556282"/>
+          </a:xfrm>
+        </p:spPr>
+        <p:txBody>
+          <a:bodyPr>
+            <a:normAutofit/>
+          </a:bodyPr>
+          <a:lstStyle/>
+          <a:p>
+            <a:pPr marL="0" indent="0" algn="ctr">
+              <a:buNone/>
+            </a:pPr>
+            <a:r>
+              <a:rPr lang="id-ID" sz="4800" b="1" dirty="0" smtClean="0">
+                <a:solidFill>
+                  <a:schemeClr val="accent1"/>
+                </a:solidFill>
+              </a:rPr>
+              <a:t>FRONT END</a:t>
+            </a:r>
+            <a:endParaRPr lang="id-ID" sz="4800" b="1" dirty="0" smtClean="0">
+              <a:solidFill>
+                <a:schemeClr val="accent1"/>
+              </a:solidFill>
+            </a:endParaRPr>
+          </a:p>
+        </p:txBody>
+      </p:sp>
     </p:spTree>
     <p:extLst>
       <p:ext uri="{BB962C8B-B14F-4D97-AF65-F5344CB8AC3E}">
@@ -8210,14 +8247,6 @@
 <file path=ppt/slides/slide19.xml><?xml version="1.0" encoding="utf-8"?>
 <p:sld xmlns:a="http://schemas.openxmlformats.org/drawingml/2006/main" xmlns:r="http://schemas.openxmlformats.org/officeDocument/2006/relationships" xmlns:p="http://schemas.openxmlformats.org/presentationml/2006/main">
   <p:cSld>
-    <p:bg>
-      <p:bgPr>
-        <a:solidFill>
-          <a:schemeClr val="accent2"/>
-        </a:solidFill>
-        <a:effectLst/>
-      </p:bgPr>
-    </p:bg>
     <p:spTree>
       <p:nvGrpSpPr>
         <p:cNvPr id="1" name=""/>
@@ -8232,51 +8261,361 @@
           <a:chExt cx="0" cy="0"/>
         </a:xfrm>
       </p:grpSpPr>
+      <p:pic>
+        <p:nvPicPr>
+          <p:cNvPr id="1026" name="Picture 2" descr="Image result for php"/>
+          <p:cNvPicPr>
+            <a:picLocks noChangeAspect="1" noChangeArrowheads="1"/>
+          </p:cNvPicPr>
+          <p:nvPr/>
+        </p:nvPicPr>
+        <p:blipFill>
+          <a:blip r:embed="rId2" cstate="print">
+            <a:extLst>
+              <a:ext uri="{28A0092B-C50C-407E-A947-70E740481C1C}">
+                <a14:useLocalDpi xmlns:a14="http://schemas.microsoft.com/office/drawing/2010/main" val="0"/>
+              </a:ext>
+            </a:extLst>
+          </a:blip>
+          <a:srcRect/>
+          <a:stretch>
+            <a:fillRect/>
+          </a:stretch>
+        </p:blipFill>
+        <p:spPr bwMode="auto">
+          <a:xfrm>
+            <a:off x="1403255" y="2983741"/>
+            <a:ext cx="3219637" cy="1738604"/>
+          </a:xfrm>
+          <a:prstGeom prst="rect">
+            <a:avLst/>
+          </a:prstGeom>
+          <a:noFill/>
+          <a:extLst>
+            <a:ext uri="{909E8E84-426E-40DD-AFC4-6F175D3DCCD1}">
+              <a14:hiddenFill xmlns:a14="http://schemas.microsoft.com/office/drawing/2010/main">
+                <a:solidFill>
+                  <a:srgbClr val="FFFFFF"/>
+                </a:solidFill>
+              </a14:hiddenFill>
+            </a:ext>
+          </a:extLst>
+        </p:spPr>
+      </p:pic>
       <p:sp>
         <p:nvSpPr>
-          <p:cNvPr id="4" name="Content Placeholder 2"/>
-          <p:cNvSpPr>
-            <a:spLocks noGrp="1"/>
+          <p:cNvPr id="7" name="Content Placeholder 2"/>
+          <p:cNvSpPr txBox="1">
+            <a:spLocks/>
           </p:cNvSpPr>
-          <p:nvPr>
-            <p:ph idx="1"/>
-          </p:nvPr>
+          <p:nvPr/>
         </p:nvSpPr>
         <p:spPr>
           <a:xfrm>
-            <a:off x="323850" y="2914650"/>
+            <a:off x="155575" y="799427"/>
             <a:ext cx="10246475" cy="2556282"/>
           </a:xfrm>
+          <a:prstGeom prst="rect">
+            <a:avLst/>
+          </a:prstGeom>
         </p:spPr>
         <p:txBody>
-          <a:bodyPr>
+          <a:bodyPr vert="horz" lIns="91440" tIns="45720" rIns="91440" bIns="45720" rtlCol="0">
             <a:normAutofit/>
           </a:bodyPr>
-          <a:lstStyle/>
+          <a:lstStyle>
+            <a:lvl1pPr marL="342900" indent="-342900" algn="l" defTabSz="457200" rtl="0" eaLnBrk="1" latinLnBrk="0" hangingPunct="1">
+              <a:spcBef>
+                <a:spcPts val="1000"/>
+              </a:spcBef>
+              <a:spcAft>
+                <a:spcPts val="0"/>
+              </a:spcAft>
+              <a:buClr>
+                <a:schemeClr val="accent1"/>
+              </a:buClr>
+              <a:buSzPct val="80000"/>
+              <a:buFont typeface="Wingdings 3" charset="2"/>
+              <a:buChar char=""/>
+              <a:defRPr sz="1800" kern="1200">
+                <a:solidFill>
+                  <a:schemeClr val="tx1">
+                    <a:lumMod val="75000"/>
+                    <a:lumOff val="25000"/>
+                  </a:schemeClr>
+                </a:solidFill>
+                <a:latin typeface="+mn-lt"/>
+                <a:ea typeface="+mn-ea"/>
+                <a:cs typeface="+mn-cs"/>
+              </a:defRPr>
+            </a:lvl1pPr>
+            <a:lvl2pPr marL="742950" indent="-285750" algn="l" defTabSz="457200" rtl="0" eaLnBrk="1" latinLnBrk="0" hangingPunct="1">
+              <a:spcBef>
+                <a:spcPts val="1000"/>
+              </a:spcBef>
+              <a:spcAft>
+                <a:spcPts val="0"/>
+              </a:spcAft>
+              <a:buClr>
+                <a:schemeClr val="accent1"/>
+              </a:buClr>
+              <a:buSzPct val="80000"/>
+              <a:buFont typeface="Wingdings 3" charset="2"/>
+              <a:buChar char=""/>
+              <a:defRPr sz="1600" kern="1200">
+                <a:solidFill>
+                  <a:schemeClr val="tx1">
+                    <a:lumMod val="75000"/>
+                    <a:lumOff val="25000"/>
+                  </a:schemeClr>
+                </a:solidFill>
+                <a:latin typeface="+mn-lt"/>
+                <a:ea typeface="+mn-ea"/>
+                <a:cs typeface="+mn-cs"/>
+              </a:defRPr>
+            </a:lvl2pPr>
+            <a:lvl3pPr marL="1143000" indent="-228600" algn="l" defTabSz="457200" rtl="0" eaLnBrk="1" latinLnBrk="0" hangingPunct="1">
+              <a:spcBef>
+                <a:spcPts val="1000"/>
+              </a:spcBef>
+              <a:spcAft>
+                <a:spcPts val="0"/>
+              </a:spcAft>
+              <a:buClr>
+                <a:schemeClr val="accent1"/>
+              </a:buClr>
+              <a:buSzPct val="80000"/>
+              <a:buFont typeface="Wingdings 3" charset="2"/>
+              <a:buChar char=""/>
+              <a:defRPr sz="1400" kern="1200">
+                <a:solidFill>
+                  <a:schemeClr val="tx1">
+                    <a:lumMod val="75000"/>
+                    <a:lumOff val="25000"/>
+                  </a:schemeClr>
+                </a:solidFill>
+                <a:latin typeface="+mn-lt"/>
+                <a:ea typeface="+mn-ea"/>
+                <a:cs typeface="+mn-cs"/>
+              </a:defRPr>
+            </a:lvl3pPr>
+            <a:lvl4pPr marL="1600200" indent="-228600" algn="l" defTabSz="457200" rtl="0" eaLnBrk="1" latinLnBrk="0" hangingPunct="1">
+              <a:spcBef>
+                <a:spcPts val="1000"/>
+              </a:spcBef>
+              <a:spcAft>
+                <a:spcPts val="0"/>
+              </a:spcAft>
+              <a:buClr>
+                <a:schemeClr val="accent1"/>
+              </a:buClr>
+              <a:buSzPct val="80000"/>
+              <a:buFont typeface="Wingdings 3" charset="2"/>
+              <a:buChar char=""/>
+              <a:defRPr sz="1200" kern="1200">
+                <a:solidFill>
+                  <a:schemeClr val="tx1">
+                    <a:lumMod val="75000"/>
+                    <a:lumOff val="25000"/>
+                  </a:schemeClr>
+                </a:solidFill>
+                <a:latin typeface="+mn-lt"/>
+                <a:ea typeface="+mn-ea"/>
+                <a:cs typeface="+mn-cs"/>
+              </a:defRPr>
+            </a:lvl4pPr>
+            <a:lvl5pPr marL="2057400" indent="-228600" algn="l" defTabSz="457200" rtl="0" eaLnBrk="1" latinLnBrk="0" hangingPunct="1">
+              <a:spcBef>
+                <a:spcPts val="1000"/>
+              </a:spcBef>
+              <a:spcAft>
+                <a:spcPts val="0"/>
+              </a:spcAft>
+              <a:buClr>
+                <a:schemeClr val="accent1"/>
+              </a:buClr>
+              <a:buSzPct val="80000"/>
+              <a:buFont typeface="Wingdings 3" charset="2"/>
+              <a:buChar char=""/>
+              <a:defRPr sz="1200" kern="1200">
+                <a:solidFill>
+                  <a:schemeClr val="tx1">
+                    <a:lumMod val="75000"/>
+                    <a:lumOff val="25000"/>
+                  </a:schemeClr>
+                </a:solidFill>
+                <a:latin typeface="+mn-lt"/>
+                <a:ea typeface="+mn-ea"/>
+                <a:cs typeface="+mn-cs"/>
+              </a:defRPr>
+            </a:lvl5pPr>
+            <a:lvl6pPr marL="2514600" indent="-228600" algn="l" defTabSz="457200" rtl="0" eaLnBrk="1" latinLnBrk="0" hangingPunct="1">
+              <a:spcBef>
+                <a:spcPts val="1000"/>
+              </a:spcBef>
+              <a:spcAft>
+                <a:spcPts val="0"/>
+              </a:spcAft>
+              <a:buClr>
+                <a:schemeClr val="accent1"/>
+              </a:buClr>
+              <a:buSzPct val="80000"/>
+              <a:buFont typeface="Wingdings 3" charset="2"/>
+              <a:buChar char=""/>
+              <a:defRPr sz="1200" kern="1200">
+                <a:solidFill>
+                  <a:schemeClr val="tx1">
+                    <a:lumMod val="75000"/>
+                    <a:lumOff val="25000"/>
+                  </a:schemeClr>
+                </a:solidFill>
+                <a:latin typeface="+mn-lt"/>
+                <a:ea typeface="+mn-ea"/>
+                <a:cs typeface="+mn-cs"/>
+              </a:defRPr>
+            </a:lvl6pPr>
+            <a:lvl7pPr marL="2971800" indent="-228600" algn="l" defTabSz="457200" rtl="0" eaLnBrk="1" latinLnBrk="0" hangingPunct="1">
+              <a:spcBef>
+                <a:spcPts val="1000"/>
+              </a:spcBef>
+              <a:spcAft>
+                <a:spcPts val="0"/>
+              </a:spcAft>
+              <a:buClr>
+                <a:schemeClr val="accent1"/>
+              </a:buClr>
+              <a:buSzPct val="80000"/>
+              <a:buFont typeface="Wingdings 3" charset="2"/>
+              <a:buChar char=""/>
+              <a:defRPr sz="1200" kern="1200">
+                <a:solidFill>
+                  <a:schemeClr val="tx1">
+                    <a:lumMod val="75000"/>
+                    <a:lumOff val="25000"/>
+                  </a:schemeClr>
+                </a:solidFill>
+                <a:latin typeface="+mn-lt"/>
+                <a:ea typeface="+mn-ea"/>
+                <a:cs typeface="+mn-cs"/>
+              </a:defRPr>
+            </a:lvl7pPr>
+            <a:lvl8pPr marL="3429000" indent="-228600" algn="l" defTabSz="457200" rtl="0" eaLnBrk="1" latinLnBrk="0" hangingPunct="1">
+              <a:spcBef>
+                <a:spcPts val="1000"/>
+              </a:spcBef>
+              <a:spcAft>
+                <a:spcPts val="0"/>
+              </a:spcAft>
+              <a:buClr>
+                <a:schemeClr val="accent1"/>
+              </a:buClr>
+              <a:buSzPct val="80000"/>
+              <a:buFont typeface="Wingdings 3" charset="2"/>
+              <a:buChar char=""/>
+              <a:defRPr sz="1200" kern="1200">
+                <a:solidFill>
+                  <a:schemeClr val="tx1">
+                    <a:lumMod val="75000"/>
+                    <a:lumOff val="25000"/>
+                  </a:schemeClr>
+                </a:solidFill>
+                <a:latin typeface="+mn-lt"/>
+                <a:ea typeface="+mn-ea"/>
+                <a:cs typeface="+mn-cs"/>
+              </a:defRPr>
+            </a:lvl8pPr>
+            <a:lvl9pPr marL="3886200" indent="-228600" algn="l" defTabSz="457200" rtl="0" eaLnBrk="1" latinLnBrk="0" hangingPunct="1">
+              <a:spcBef>
+                <a:spcPts val="1000"/>
+              </a:spcBef>
+              <a:spcAft>
+                <a:spcPts val="0"/>
+              </a:spcAft>
+              <a:buClr>
+                <a:schemeClr val="accent1"/>
+              </a:buClr>
+              <a:buSzPct val="80000"/>
+              <a:buFont typeface="Wingdings 3" charset="2"/>
+              <a:buChar char=""/>
+              <a:defRPr sz="1200" kern="1200">
+                <a:solidFill>
+                  <a:schemeClr val="tx1">
+                    <a:lumMod val="75000"/>
+                    <a:lumOff val="25000"/>
+                  </a:schemeClr>
+                </a:solidFill>
+                <a:latin typeface="+mn-lt"/>
+                <a:ea typeface="+mn-ea"/>
+                <a:cs typeface="+mn-cs"/>
+              </a:defRPr>
+            </a:lvl9pPr>
+          </a:lstStyle>
           <a:p>
             <a:pPr marL="0" indent="0" algn="ctr">
+              <a:buFont typeface="Wingdings 3" charset="2"/>
               <a:buNone/>
             </a:pPr>
             <a:r>
-              <a:rPr lang="id-ID" sz="4800" b="1" dirty="0">
-                <a:solidFill>
-                  <a:srgbClr val="FF0000"/>
+              <a:rPr lang="id-ID" sz="4800" b="1" dirty="0" smtClean="0">
+                <a:solidFill>
+                  <a:schemeClr val="accent1"/>
                 </a:solidFill>
               </a:rPr>
-              <a:t>API TELKOM XSIGHT</a:t>
+              <a:t>BACK END</a:t>
             </a:r>
             <a:endParaRPr lang="id-ID" sz="4800" b="1" dirty="0" smtClean="0">
               <a:solidFill>
-                <a:srgbClr val="FF0000"/>
+                <a:schemeClr val="accent1"/>
               </a:solidFill>
             </a:endParaRPr>
           </a:p>
         </p:txBody>
       </p:sp>
+      <p:pic>
+        <p:nvPicPr>
+          <p:cNvPr id="1028" name="Picture 4" descr="Image result for yii png"/>
+          <p:cNvPicPr>
+            <a:picLocks noChangeAspect="1" noChangeArrowheads="1"/>
+          </p:cNvPicPr>
+          <p:nvPr/>
+        </p:nvPicPr>
+        <p:blipFill>
+          <a:blip r:embed="rId3">
+            <a:extLst>
+              <a:ext uri="{28A0092B-C50C-407E-A947-70E740481C1C}">
+                <a14:useLocalDpi xmlns:a14="http://schemas.microsoft.com/office/drawing/2010/main" val="0"/>
+              </a:ext>
+            </a:extLst>
+          </a:blip>
+          <a:srcRect/>
+          <a:stretch>
+            <a:fillRect/>
+          </a:stretch>
+        </p:blipFill>
+        <p:spPr bwMode="auto">
+          <a:xfrm>
+            <a:off x="5870572" y="2299448"/>
+            <a:ext cx="2857500" cy="2857500"/>
+          </a:xfrm>
+          <a:prstGeom prst="rect">
+            <a:avLst/>
+          </a:prstGeom>
+          <a:noFill/>
+          <a:extLst>
+            <a:ext uri="{909E8E84-426E-40DD-AFC4-6F175D3DCCD1}">
+              <a14:hiddenFill xmlns:a14="http://schemas.microsoft.com/office/drawing/2010/main">
+                <a:solidFill>
+                  <a:srgbClr val="FFFFFF"/>
+                </a:solidFill>
+              </a14:hiddenFill>
+            </a:ext>
+          </a:extLst>
+        </p:spPr>
+      </p:pic>
     </p:spTree>
     <p:extLst>
       <p:ext uri="{BB962C8B-B14F-4D97-AF65-F5344CB8AC3E}">
-        <p14:creationId xmlns:p14="http://schemas.microsoft.com/office/powerpoint/2010/main" val="2538327773"/>
+        <p14:creationId xmlns:p14="http://schemas.microsoft.com/office/powerpoint/2010/main" val="1822799077"/>
       </p:ext>
     </p:extLst>
   </p:cSld>
@@ -8837,6 +9176,92 @@
 <file path=ppt/slides/slide20.xml><?xml version="1.0" encoding="utf-8"?>
 <p:sld xmlns:a="http://schemas.openxmlformats.org/drawingml/2006/main" xmlns:r="http://schemas.openxmlformats.org/officeDocument/2006/relationships" xmlns:p="http://schemas.openxmlformats.org/presentationml/2006/main">
   <p:cSld>
+    <p:bg>
+      <p:bgPr>
+        <a:solidFill>
+          <a:schemeClr val="accent2"/>
+        </a:solidFill>
+        <a:effectLst/>
+      </p:bgPr>
+    </p:bg>
+    <p:spTree>
+      <p:nvGrpSpPr>
+        <p:cNvPr id="1" name=""/>
+        <p:cNvGrpSpPr/>
+        <p:nvPr/>
+      </p:nvGrpSpPr>
+      <p:grpSpPr>
+        <a:xfrm>
+          <a:off x="0" y="0"/>
+          <a:ext cx="0" cy="0"/>
+          <a:chOff x="0" y="0"/>
+          <a:chExt cx="0" cy="0"/>
+        </a:xfrm>
+      </p:grpSpPr>
+      <p:sp>
+        <p:nvSpPr>
+          <p:cNvPr id="4" name="Content Placeholder 2"/>
+          <p:cNvSpPr>
+            <a:spLocks noGrp="1"/>
+          </p:cNvSpPr>
+          <p:nvPr>
+            <p:ph idx="1"/>
+          </p:nvPr>
+        </p:nvSpPr>
+        <p:spPr>
+          <a:xfrm>
+            <a:off x="323850" y="2914650"/>
+            <a:ext cx="10246475" cy="2556282"/>
+          </a:xfrm>
+        </p:spPr>
+        <p:txBody>
+          <a:bodyPr>
+            <a:normAutofit/>
+          </a:bodyPr>
+          <a:lstStyle/>
+          <a:p>
+            <a:pPr marL="0" indent="0" algn="ctr">
+              <a:buNone/>
+            </a:pPr>
+            <a:r>
+              <a:rPr lang="id-ID" sz="4800" b="1" dirty="0">
+                <a:solidFill>
+                  <a:schemeClr val="accent1"/>
+                </a:solidFill>
+              </a:rPr>
+              <a:t>API TELKOM XSIGHT</a:t>
+            </a:r>
+            <a:endParaRPr lang="id-ID" sz="4800" b="1" dirty="0" smtClean="0">
+              <a:solidFill>
+                <a:schemeClr val="accent1"/>
+              </a:solidFill>
+            </a:endParaRPr>
+          </a:p>
+        </p:txBody>
+      </p:sp>
+    </p:spTree>
+    <p:extLst>
+      <p:ext uri="{BB962C8B-B14F-4D97-AF65-F5344CB8AC3E}">
+        <p14:creationId xmlns:p14="http://schemas.microsoft.com/office/powerpoint/2010/main" val="2538327773"/>
+      </p:ext>
+    </p:extLst>
+  </p:cSld>
+  <p:clrMapOvr>
+    <a:masterClrMapping/>
+  </p:clrMapOvr>
+  <p:timing>
+    <p:tnLst>
+      <p:par>
+        <p:cTn id="1" dur="indefinite" restart="never" nodeType="tmRoot"/>
+      </p:par>
+    </p:tnLst>
+  </p:timing>
+</p:sld>
+</file>
+
+<file path=ppt/slides/slide21.xml><?xml version="1.0" encoding="utf-8"?>
+<p:sld xmlns:a="http://schemas.openxmlformats.org/drawingml/2006/main" xmlns:r="http://schemas.openxmlformats.org/officeDocument/2006/relationships" xmlns:p="http://schemas.openxmlformats.org/presentationml/2006/main">
+  <p:cSld>
     <p:spTree>
       <p:nvGrpSpPr>
         <p:cNvPr id="1" name=""/>
@@ -8905,19 +9330,11 @@
             </a:r>
             <a:r>
               <a:rPr lang="id-ID" sz="2000" dirty="0" smtClean="0"/>
-              <a:t>penggunapada </a:t>
+              <a:t>pengguna pada </a:t>
             </a:r>
             <a:r>
               <a:rPr lang="id-ID" sz="2000" dirty="0" smtClean="0"/>
-              <a:t>saat  </a:t>
-            </a:r>
-            <a:r>
-              <a:rPr lang="id-ID" sz="2000" dirty="0" smtClean="0"/>
-              <a:t>melakukan </a:t>
-            </a:r>
-            <a:r>
-              <a:rPr lang="id-ID" sz="2000" dirty="0" smtClean="0"/>
-              <a:t>pendaftaran </a:t>
+              <a:t>saat  melakukan pendaftaran </a:t>
             </a:r>
             <a:endParaRPr lang="id-ID" sz="2000" dirty="0"/>
           </a:p>
@@ -8991,7 +9408,7 @@
 </p:sld>
 </file>
 
-<file path=ppt/slides/slide21.xml><?xml version="1.0" encoding="utf-8"?>
+<file path=ppt/slides/slide22.xml><?xml version="1.0" encoding="utf-8"?>
 <p:sld xmlns:a="http://schemas.openxmlformats.org/drawingml/2006/main" xmlns:r="http://schemas.openxmlformats.org/officeDocument/2006/relationships" xmlns:p="http://schemas.openxmlformats.org/presentationml/2006/main">
   <p:cSld>
     <p:spTree>
@@ -9056,18 +9473,22 @@
             <a:pPr algn="just"/>
             <a:r>
               <a:rPr lang="id-ID" sz="2400" dirty="0" smtClean="0"/>
-              <a:t>SMS Notification pada aplikasi Tukang Dagang berfungsi untuk </a:t>
-            </a:r>
-            <a:r>
-              <a:rPr lang="id-ID" sz="2400" dirty="0" smtClean="0"/>
-              <a:t> </a:t>
+              <a:t>SMS Notification pada aplikasi Tukang Dagang berfungsi untuk  </a:t>
             </a:r>
           </a:p>
           <a:p>
             <a:pPr lvl="1" algn="just"/>
             <a:r>
               <a:rPr lang="id-ID" sz="1800" dirty="0" smtClean="0"/>
-              <a:t>Pemberitahuan kepada pengguna bahwa, pengguna telah berhasil memasang iklan (untuk dipasang di Aplikasi Tukang Dangang)</a:t>
+              <a:t>Pemberitahuan kepada pengguna bahwa, pengguna telah berhasil memasang iklan (untuk dipasang di Aplikasi Tukang </a:t>
+            </a:r>
+            <a:r>
+              <a:rPr lang="id-ID" sz="1800" dirty="0" smtClean="0"/>
+              <a:t>Dagang</a:t>
+            </a:r>
+            <a:r>
+              <a:rPr lang="id-ID" sz="1800" dirty="0" smtClean="0"/>
+              <a:t>)</a:t>
             </a:r>
           </a:p>
           <a:p>
@@ -9128,7 +9549,7 @@
 </p:sld>
 </file>
 
-<file path=ppt/slides/slide22.xml><?xml version="1.0" encoding="utf-8"?>
+<file path=ppt/slides/slide23.xml><?xml version="1.0" encoding="utf-8"?>
 <p:sld xmlns:a="http://schemas.openxmlformats.org/drawingml/2006/main" xmlns:r="http://schemas.openxmlformats.org/officeDocument/2006/relationships" xmlns:p="http://schemas.openxmlformats.org/presentationml/2006/main">
   <p:cSld>
     <p:spTree>
@@ -9207,8 +9628,27 @@
             <a:pPr lvl="1"/>
             <a:r>
               <a:rPr lang="id-ID" sz="1800" dirty="0" smtClean="0"/>
-              <a:t>Memberikan ucapan selamat bergabung, kepada pengguna yang baru saja bergabung dengan Tukang Dagang.</a:t>
-            </a:r>
+              <a:t>Memberikan ucapan selamat bergabung, kepada pengguna yang baru saja bergabung dengan Tukang Dagang</a:t>
+            </a:r>
+            <a:r>
+              <a:rPr lang="id-ID" sz="1800" dirty="0" smtClean="0"/>
+              <a:t>.</a:t>
+            </a:r>
+          </a:p>
+          <a:p>
+            <a:pPr lvl="1"/>
+            <a:r>
+              <a:rPr lang="id-ID" sz="1800" dirty="0" smtClean="0"/>
+              <a:t>Mengingatkan kepada setiap pengguna yang sudah lama tidak membuka aplikasi Tukang Dagang agar membuka Aplikasi Tukang Dagang.</a:t>
+            </a:r>
+          </a:p>
+          <a:p>
+            <a:pPr lvl="1"/>
+            <a:r>
+              <a:rPr lang="id-ID" sz="1800" dirty="0" smtClean="0"/>
+              <a:t>Email verifikasi untuk lupa password.</a:t>
+            </a:r>
+            <a:endParaRPr lang="id-ID" sz="1800" dirty="0" smtClean="0"/>
           </a:p>
           <a:p>
             <a:pPr lvl="1"/>
@@ -9236,8 +9676,8 @@
         </p:blipFill>
         <p:spPr>
           <a:xfrm>
-            <a:off x="1185582" y="3480726"/>
-            <a:ext cx="6781800" cy="2790825"/>
+            <a:off x="1387288" y="4479435"/>
+            <a:ext cx="5779994" cy="2378565"/>
           </a:xfrm>
           <a:prstGeom prst="rect">
             <a:avLst/>
@@ -9264,7 +9704,7 @@
 </p:sld>
 </file>
 
-<file path=ppt/slides/slide23.xml><?xml version="1.0" encoding="utf-8"?>
+<file path=ppt/slides/slide24.xml><?xml version="1.0" encoding="utf-8"?>
 <p:sld xmlns:a="http://schemas.openxmlformats.org/drawingml/2006/main" xmlns:r="http://schemas.openxmlformats.org/officeDocument/2006/relationships" xmlns:p="http://schemas.openxmlformats.org/presentationml/2006/main">
   <p:cSld>
     <p:bg>
